--- a/bookshelf/img/CoverEditors.pptx
+++ b/bookshelf/img/CoverEditors.pptx
@@ -7,6 +7,8 @@
   <p:sldIdLst>
     <p:sldId id="256" r:id="rId2"/>
     <p:sldId id="257" r:id="rId3"/>
+    <p:sldId id="258" r:id="rId4"/>
+    <p:sldId id="259" r:id="rId5"/>
   </p:sldIdLst>
   <p:sldSz cx="12192000" cy="6858000"/>
   <p:notesSz cx="6858000" cy="9144000"/>
@@ -105,6 +107,11 @@
       </a:defRPr>
     </a:lvl9pPr>
   </p:defaultTextStyle>
+  <p:extLst>
+    <p:ext uri="{EFAFB233-063F-42B5-8137-9DF3F51BA10A}">
+      <p15:sldGuideLst xmlns:p15="http://schemas.microsoft.com/office/powerpoint/2012/main"/>
+    </p:ext>
+  </p:extLst>
 </p:presentation>
 </file>
 
@@ -3574,6 +3581,294 @@
 </p:sld>
 </file>
 
+<file path=ppt/slides/slide3.xml><?xml version="1.0" encoding="utf-8"?>
+<p:sld xmlns:a="http://schemas.openxmlformats.org/drawingml/2006/main" xmlns:r="http://schemas.openxmlformats.org/officeDocument/2006/relationships" xmlns:p="http://schemas.openxmlformats.org/presentationml/2006/main">
+  <p:cSld>
+    <p:bg>
+      <p:bgPr>
+        <a:solidFill>
+          <a:schemeClr val="tx1"/>
+        </a:solidFill>
+        <a:effectLst/>
+      </p:bgPr>
+    </p:bg>
+    <p:spTree>
+      <p:nvGrpSpPr>
+        <p:cNvPr id="1" name=""/>
+        <p:cNvGrpSpPr/>
+        <p:nvPr/>
+      </p:nvGrpSpPr>
+      <p:grpSpPr>
+        <a:xfrm>
+          <a:off x="0" y="0"/>
+          <a:ext cx="0" cy="0"/>
+          <a:chOff x="0" y="0"/>
+          <a:chExt cx="0" cy="0"/>
+        </a:xfrm>
+      </p:grpSpPr>
+      <p:grpSp>
+        <p:nvGrpSpPr>
+          <p:cNvPr id="9" name="Group 8">
+            <a:extLst>
+              <a:ext uri="{FF2B5EF4-FFF2-40B4-BE49-F238E27FC236}">
+                <a16:creationId xmlns:a16="http://schemas.microsoft.com/office/drawing/2014/main" id="{F9D16A19-9C90-4932-98CA-F35DD3B57199}"/>
+              </a:ext>
+            </a:extLst>
+          </p:cNvPr>
+          <p:cNvGrpSpPr/>
+          <p:nvPr/>
+        </p:nvGrpSpPr>
+        <p:grpSpPr>
+          <a:xfrm>
+            <a:off x="0" y="1652380"/>
+            <a:ext cx="12192000" cy="3771901"/>
+            <a:chOff x="0" y="1652380"/>
+            <a:chExt cx="12192000" cy="3771901"/>
+          </a:xfrm>
+        </p:grpSpPr>
+        <p:sp>
+          <p:nvSpPr>
+            <p:cNvPr id="7" name="Rectangle 6">
+              <a:extLst>
+                <a:ext uri="{FF2B5EF4-FFF2-40B4-BE49-F238E27FC236}">
+                  <a16:creationId xmlns:a16="http://schemas.microsoft.com/office/drawing/2014/main" id="{D3637291-168B-4924-A366-36BB8AA2D311}"/>
+                </a:ext>
+              </a:extLst>
+            </p:cNvPr>
+            <p:cNvSpPr/>
+            <p:nvPr/>
+          </p:nvSpPr>
+          <p:spPr>
+            <a:xfrm>
+              <a:off x="0" y="1652380"/>
+              <a:ext cx="12192000" cy="3771899"/>
+            </a:xfrm>
+            <a:prstGeom prst="rect">
+              <a:avLst/>
+            </a:prstGeom>
+            <a:solidFill>
+              <a:schemeClr val="tx1"/>
+            </a:solidFill>
+            <a:ln>
+              <a:noFill/>
+            </a:ln>
+          </p:spPr>
+          <p:style>
+            <a:lnRef idx="2">
+              <a:schemeClr val="accent1">
+                <a:shade val="50000"/>
+              </a:schemeClr>
+            </a:lnRef>
+            <a:fillRef idx="1">
+              <a:schemeClr val="accent1"/>
+            </a:fillRef>
+            <a:effectRef idx="0">
+              <a:schemeClr val="accent1"/>
+            </a:effectRef>
+            <a:fontRef idx="minor">
+              <a:schemeClr val="lt1"/>
+            </a:fontRef>
+          </p:style>
+          <p:txBody>
+            <a:bodyPr rtlCol="0" anchor="ctr"/>
+            <a:lstStyle/>
+            <a:p>
+              <a:pPr algn="ctr"/>
+              <a:endParaRPr lang="en-IN"/>
+            </a:p>
+          </p:txBody>
+        </p:sp>
+        <p:pic>
+          <p:nvPicPr>
+            <p:cNvPr id="5" name="Picture 4" descr="A person with long hair&#10;&#10;Description automatically generated with medium confidence">
+              <a:extLst>
+                <a:ext uri="{FF2B5EF4-FFF2-40B4-BE49-F238E27FC236}">
+                  <a16:creationId xmlns:a16="http://schemas.microsoft.com/office/drawing/2014/main" id="{EC56C32F-B867-4821-9CFF-325403417657}"/>
+                </a:ext>
+              </a:extLst>
+            </p:cNvPr>
+            <p:cNvPicPr>
+              <a:picLocks noChangeAspect="1"/>
+            </p:cNvPicPr>
+            <p:nvPr/>
+          </p:nvPicPr>
+          <p:blipFill>
+            <a:blip r:embed="rId2">
+              <a:extLst>
+                <a:ext uri="{28A0092B-C50C-407E-A947-70E740481C1C}">
+                  <a14:useLocalDpi xmlns:a14="http://schemas.microsoft.com/office/drawing/2010/main" val="0"/>
+                </a:ext>
+              </a:extLst>
+            </a:blip>
+            <a:stretch>
+              <a:fillRect/>
+            </a:stretch>
+          </p:blipFill>
+          <p:spPr>
+            <a:xfrm>
+              <a:off x="2952750" y="1652381"/>
+              <a:ext cx="6286500" cy="3771900"/>
+            </a:xfrm>
+            <a:prstGeom prst="rect">
+              <a:avLst/>
+            </a:prstGeom>
+            <a:solidFill>
+              <a:schemeClr val="tx1"/>
+            </a:solidFill>
+            <a:ln>
+              <a:noFill/>
+            </a:ln>
+          </p:spPr>
+        </p:pic>
+      </p:grpSp>
+    </p:spTree>
+    <p:extLst>
+      <p:ext uri="{BB962C8B-B14F-4D97-AF65-F5344CB8AC3E}">
+        <p14:creationId xmlns:p14="http://schemas.microsoft.com/office/powerpoint/2010/main" val="3787321514"/>
+      </p:ext>
+    </p:extLst>
+  </p:cSld>
+  <p:clrMapOvr>
+    <a:masterClrMapping/>
+  </p:clrMapOvr>
+</p:sld>
+</file>
+
+<file path=ppt/slides/slide4.xml><?xml version="1.0" encoding="utf-8"?>
+<p:sld xmlns:a="http://schemas.openxmlformats.org/drawingml/2006/main" xmlns:r="http://schemas.openxmlformats.org/officeDocument/2006/relationships" xmlns:p="http://schemas.openxmlformats.org/presentationml/2006/main">
+  <p:cSld>
+    <p:bg>
+      <p:bgPr>
+        <a:solidFill>
+          <a:schemeClr val="tx1"/>
+        </a:solidFill>
+        <a:effectLst/>
+      </p:bgPr>
+    </p:bg>
+    <p:spTree>
+      <p:nvGrpSpPr>
+        <p:cNvPr id="1" name=""/>
+        <p:cNvGrpSpPr/>
+        <p:nvPr/>
+      </p:nvGrpSpPr>
+      <p:grpSpPr>
+        <a:xfrm>
+          <a:off x="0" y="0"/>
+          <a:ext cx="0" cy="0"/>
+          <a:chOff x="0" y="0"/>
+          <a:chExt cx="0" cy="0"/>
+        </a:xfrm>
+      </p:grpSpPr>
+      <p:sp>
+        <p:nvSpPr>
+          <p:cNvPr id="7" name="Rectangle 6">
+            <a:extLst>
+              <a:ext uri="{FF2B5EF4-FFF2-40B4-BE49-F238E27FC236}">
+                <a16:creationId xmlns:a16="http://schemas.microsoft.com/office/drawing/2014/main" id="{D3637291-168B-4924-A366-36BB8AA2D311}"/>
+              </a:ext>
+            </a:extLst>
+          </p:cNvPr>
+          <p:cNvSpPr/>
+          <p:nvPr/>
+        </p:nvSpPr>
+        <p:spPr>
+          <a:xfrm>
+            <a:off x="0" y="1652380"/>
+            <a:ext cx="12192000" cy="3771899"/>
+          </a:xfrm>
+          <a:prstGeom prst="rect">
+            <a:avLst/>
+          </a:prstGeom>
+          <a:solidFill>
+            <a:schemeClr val="tx1"/>
+          </a:solidFill>
+          <a:ln>
+            <a:noFill/>
+          </a:ln>
+        </p:spPr>
+        <p:style>
+          <a:lnRef idx="2">
+            <a:schemeClr val="accent1">
+              <a:shade val="50000"/>
+            </a:schemeClr>
+          </a:lnRef>
+          <a:fillRef idx="1">
+            <a:schemeClr val="accent1"/>
+          </a:fillRef>
+          <a:effectRef idx="0">
+            <a:schemeClr val="accent1"/>
+          </a:effectRef>
+          <a:fontRef idx="minor">
+            <a:schemeClr val="lt1"/>
+          </a:fontRef>
+        </p:style>
+        <p:txBody>
+          <a:bodyPr rtlCol="0" anchor="ctr"/>
+          <a:lstStyle/>
+          <a:p>
+            <a:pPr algn="ctr"/>
+            <a:endParaRPr lang="en-IN"/>
+          </a:p>
+        </p:txBody>
+      </p:sp>
+      <p:pic>
+        <p:nvPicPr>
+          <p:cNvPr id="1026" name="Picture 2" descr="Top 20 Jeff Keller Quotes (2022 Update) - Quotefancy">
+            <a:extLst>
+              <a:ext uri="{FF2B5EF4-FFF2-40B4-BE49-F238E27FC236}">
+                <a16:creationId xmlns:a16="http://schemas.microsoft.com/office/drawing/2014/main" id="{6FCDE534-44BB-46A3-9924-9C24E39637D0}"/>
+              </a:ext>
+            </a:extLst>
+          </p:cNvPr>
+          <p:cNvPicPr>
+            <a:picLocks noChangeAspect="1" noChangeArrowheads="1"/>
+          </p:cNvPicPr>
+          <p:nvPr/>
+        </p:nvPicPr>
+        <p:blipFill rotWithShape="1">
+          <a:blip r:embed="rId2">
+            <a:extLst>
+              <a:ext uri="{28A0092B-C50C-407E-A947-70E740481C1C}">
+                <a14:useLocalDpi xmlns:a14="http://schemas.microsoft.com/office/drawing/2010/main" val="0"/>
+              </a:ext>
+            </a:extLst>
+          </a:blip>
+          <a:srcRect t="31389" b="32221"/>
+          <a:stretch/>
+        </p:blipFill>
+        <p:spPr bwMode="auto">
+          <a:xfrm>
+            <a:off x="0" y="2152650"/>
+            <a:ext cx="12192000" cy="2495550"/>
+          </a:xfrm>
+          <a:prstGeom prst="rect">
+            <a:avLst/>
+          </a:prstGeom>
+          <a:noFill/>
+          <a:extLst>
+            <a:ext uri="{909E8E84-426E-40DD-AFC4-6F175D3DCCD1}">
+              <a14:hiddenFill xmlns:a14="http://schemas.microsoft.com/office/drawing/2010/main">
+                <a:solidFill>
+                  <a:srgbClr val="FFFFFF"/>
+                </a:solidFill>
+              </a14:hiddenFill>
+            </a:ext>
+          </a:extLst>
+        </p:spPr>
+      </p:pic>
+    </p:spTree>
+    <p:extLst>
+      <p:ext uri="{BB962C8B-B14F-4D97-AF65-F5344CB8AC3E}">
+        <p14:creationId xmlns:p14="http://schemas.microsoft.com/office/powerpoint/2010/main" val="1525207700"/>
+      </p:ext>
+    </p:extLst>
+  </p:cSld>
+  <p:clrMapOvr>
+    <a:masterClrMapping/>
+  </p:clrMapOvr>
+</p:sld>
+</file>
+
 <file path=ppt/theme/theme1.xml><?xml version="1.0" encoding="utf-8"?>
 <a:theme xmlns:a="http://schemas.openxmlformats.org/drawingml/2006/main" name="Office Theme">
   <a:themeElements>
